--- a/seminar.pptx
+++ b/seminar.pptx
@@ -22296,13 +22296,8 @@
             <a:pPr lvl="1"/>
             <a:r>
               <a:rPr lang="en-US" dirty="0" smtClean="0"/>
-              <a:t>Including all the references, further reading and </a:t>
-            </a:r>
-            <a:r>
-              <a:rPr lang="en-US" smtClean="0"/>
-              <a:t>this presentation</a:t>
-            </a:r>
-            <a:endParaRPr lang="en-US" dirty="0" smtClean="0"/>
+              <a:t>Including all the references, further reading and this presentation</a:t>
+            </a:r>
           </a:p>
         </p:txBody>
       </p:sp>
@@ -23545,7 +23540,7 @@
         <p:spPr>
           <a:xfrm>
             <a:off x="1105794" y="4222742"/>
-            <a:ext cx="6729212" cy="1542331"/>
+            <a:ext cx="9048400" cy="2073887"/>
           </a:xfrm>
           <a:prstGeom prst="rect">
             <a:avLst/>

--- a/seminar.pptx
+++ b/seminar.pptx
@@ -5,7 +5,7 @@
     <p:sldMasterId id="2147483784" r:id="rId1"/>
   </p:sldMasterIdLst>
   <p:notesMasterIdLst>
-    <p:notesMasterId r:id="rId44"/>
+    <p:notesMasterId r:id="rId46"/>
   </p:notesMasterIdLst>
   <p:sldIdLst>
     <p:sldId id="256" r:id="rId2"/>
@@ -46,10 +46,12 @@
     <p:sldId id="292" r:id="rId37"/>
     <p:sldId id="290" r:id="rId38"/>
     <p:sldId id="293" r:id="rId39"/>
-    <p:sldId id="294" r:id="rId40"/>
-    <p:sldId id="295" r:id="rId41"/>
-    <p:sldId id="296" r:id="rId42"/>
-    <p:sldId id="297" r:id="rId43"/>
+    <p:sldId id="300" r:id="rId40"/>
+    <p:sldId id="301" r:id="rId41"/>
+    <p:sldId id="302" r:id="rId42"/>
+    <p:sldId id="295" r:id="rId43"/>
+    <p:sldId id="296" r:id="rId44"/>
+    <p:sldId id="297" r:id="rId45"/>
   </p:sldIdLst>
   <p:sldSz cx="12192000" cy="6858000"/>
   <p:notesSz cx="6858000" cy="9144000"/>
@@ -610,6 +612,350 @@
 </p:notes>
 </file>
 
+<file path=ppt/notesSlides/notesSlide10.xml><?xml version="1.0" encoding="utf-8"?>
+<p:notes xmlns:a="http://schemas.openxmlformats.org/drawingml/2006/main" xmlns:r="http://schemas.openxmlformats.org/officeDocument/2006/relationships" xmlns:p="http://schemas.openxmlformats.org/presentationml/2006/main">
+  <p:cSld>
+    <p:spTree>
+      <p:nvGrpSpPr>
+        <p:cNvPr id="1" name=""/>
+        <p:cNvGrpSpPr/>
+        <p:nvPr/>
+      </p:nvGrpSpPr>
+      <p:grpSpPr>
+        <a:xfrm>
+          <a:off x="0" y="0"/>
+          <a:ext cx="0" cy="0"/>
+          <a:chOff x="0" y="0"/>
+          <a:chExt cx="0" cy="0"/>
+        </a:xfrm>
+      </p:grpSpPr>
+      <p:sp>
+        <p:nvSpPr>
+          <p:cNvPr id="2" name="Slide Image Placeholder 1"/>
+          <p:cNvSpPr>
+            <a:spLocks noGrp="1" noRot="1" noChangeAspect="1"/>
+          </p:cNvSpPr>
+          <p:nvPr>
+            <p:ph type="sldImg"/>
+          </p:nvPr>
+        </p:nvSpPr>
+        <p:spPr/>
+      </p:sp>
+      <p:sp>
+        <p:nvSpPr>
+          <p:cNvPr id="3" name="Notes Placeholder 2"/>
+          <p:cNvSpPr>
+            <a:spLocks noGrp="1"/>
+          </p:cNvSpPr>
+          <p:nvPr>
+            <p:ph type="body" idx="1"/>
+          </p:nvPr>
+        </p:nvSpPr>
+        <p:spPr/>
+        <p:txBody>
+          <a:bodyPr/>
+          <a:lstStyle/>
+          <a:p>
+            <a:pPr marL="285750" indent="-285750">
+              <a:buFont typeface="Arial" panose="020B0604020202020204" pitchFamily="34" charset="0"/>
+              <a:buChar char="•"/>
+            </a:pPr>
+            <a:r>
+              <a:rPr lang="en-US" dirty="0" smtClean="0"/>
+              <a:t>Obviously all the threads are being serialized by the Global lock of the </a:t>
+            </a:r>
+            <a:r>
+              <a:rPr lang="en-US" dirty="0" err="1" smtClean="0">
+                <a:latin typeface="Courier New" panose="02070309020205020404" pitchFamily="49" charset="0"/>
+                <a:cs typeface="Courier New" panose="02070309020205020404" pitchFamily="49" charset="0"/>
+              </a:rPr>
+              <a:t>TreeMap</a:t>
+            </a:r>
+            <a:endParaRPr lang="en-US" dirty="0" smtClean="0">
+              <a:latin typeface="Courier New" panose="02070309020205020404" pitchFamily="49" charset="0"/>
+              <a:cs typeface="Courier New" panose="02070309020205020404" pitchFamily="49" charset="0"/>
+            </a:endParaRPr>
+          </a:p>
+          <a:p>
+            <a:pPr marL="285750" indent="-285750">
+              <a:buFont typeface="Arial" panose="020B0604020202020204" pitchFamily="34" charset="0"/>
+              <a:buChar char="•"/>
+            </a:pPr>
+            <a:r>
+              <a:rPr lang="en-US" dirty="0" smtClean="0"/>
+              <a:t>The </a:t>
+            </a:r>
+            <a:r>
+              <a:rPr lang="en-US" dirty="0" err="1" smtClean="0">
+                <a:latin typeface="Courier New" panose="02070309020205020404" pitchFamily="49" charset="0"/>
+                <a:cs typeface="Courier New" panose="02070309020205020404" pitchFamily="49" charset="0"/>
+              </a:rPr>
+              <a:t>SkipListMap</a:t>
+            </a:r>
+            <a:r>
+              <a:rPr lang="en-US" dirty="0" smtClean="0"/>
+              <a:t> enjoys somewhat constant access times</a:t>
+            </a:r>
+          </a:p>
+          <a:p>
+            <a:endParaRPr lang="en-US" dirty="0"/>
+          </a:p>
+        </p:txBody>
+      </p:sp>
+      <p:sp>
+        <p:nvSpPr>
+          <p:cNvPr id="4" name="Slide Number Placeholder 3"/>
+          <p:cNvSpPr>
+            <a:spLocks noGrp="1"/>
+          </p:cNvSpPr>
+          <p:nvPr>
+            <p:ph type="sldNum" sz="quarter" idx="10"/>
+          </p:nvPr>
+        </p:nvSpPr>
+        <p:spPr/>
+        <p:txBody>
+          <a:bodyPr/>
+          <a:lstStyle/>
+          <a:p>
+            <a:fld id="{13FF7A7F-7CC1-482A-8A13-41ED58AA8B03}" type="slidenum">
+              <a:rPr lang="en-US" smtClean="0"/>
+              <a:t>40</a:t>
+            </a:fld>
+            <a:endParaRPr lang="en-US"/>
+          </a:p>
+        </p:txBody>
+      </p:sp>
+    </p:spTree>
+    <p:extLst>
+      <p:ext uri="{BB962C8B-B14F-4D97-AF65-F5344CB8AC3E}">
+        <p14:creationId xmlns:p14="http://schemas.microsoft.com/office/powerpoint/2010/main" val="2420011418"/>
+      </p:ext>
+    </p:extLst>
+  </p:cSld>
+  <p:clrMapOvr>
+    <a:masterClrMapping/>
+  </p:clrMapOvr>
+</p:notes>
+</file>
+
+<file path=ppt/notesSlides/notesSlide11.xml><?xml version="1.0" encoding="utf-8"?>
+<p:notes xmlns:a="http://schemas.openxmlformats.org/drawingml/2006/main" xmlns:r="http://schemas.openxmlformats.org/officeDocument/2006/relationships" xmlns:p="http://schemas.openxmlformats.org/presentationml/2006/main">
+  <p:cSld>
+    <p:spTree>
+      <p:nvGrpSpPr>
+        <p:cNvPr id="1" name=""/>
+        <p:cNvGrpSpPr/>
+        <p:nvPr/>
+      </p:nvGrpSpPr>
+      <p:grpSpPr>
+        <a:xfrm>
+          <a:off x="0" y="0"/>
+          <a:ext cx="0" cy="0"/>
+          <a:chOff x="0" y="0"/>
+          <a:chExt cx="0" cy="0"/>
+        </a:xfrm>
+      </p:grpSpPr>
+      <p:sp>
+        <p:nvSpPr>
+          <p:cNvPr id="2" name="Slide Image Placeholder 1"/>
+          <p:cNvSpPr>
+            <a:spLocks noGrp="1" noRot="1" noChangeAspect="1"/>
+          </p:cNvSpPr>
+          <p:nvPr>
+            <p:ph type="sldImg"/>
+          </p:nvPr>
+        </p:nvSpPr>
+        <p:spPr/>
+      </p:sp>
+      <p:sp>
+        <p:nvSpPr>
+          <p:cNvPr id="3" name="Notes Placeholder 2"/>
+          <p:cNvSpPr>
+            <a:spLocks noGrp="1"/>
+          </p:cNvSpPr>
+          <p:nvPr>
+            <p:ph type="body" idx="1"/>
+          </p:nvPr>
+        </p:nvSpPr>
+        <p:spPr/>
+        <p:txBody>
+          <a:bodyPr/>
+          <a:lstStyle/>
+          <a:p>
+            <a:pPr marL="285750" indent="-285750">
+              <a:buFont typeface="Arial" panose="020B0604020202020204" pitchFamily="34" charset="0"/>
+              <a:buChar char="•"/>
+            </a:pPr>
+            <a:r>
+              <a:rPr lang="en-US" dirty="0" smtClean="0"/>
+              <a:t>Obviously all the threads are being serialized by the Global lock of the </a:t>
+            </a:r>
+            <a:r>
+              <a:rPr lang="en-US" dirty="0" err="1" smtClean="0">
+                <a:latin typeface="Courier New" panose="02070309020205020404" pitchFamily="49" charset="0"/>
+                <a:cs typeface="Courier New" panose="02070309020205020404" pitchFamily="49" charset="0"/>
+              </a:rPr>
+              <a:t>TreeMap</a:t>
+            </a:r>
+            <a:endParaRPr lang="en-US" dirty="0" smtClean="0">
+              <a:latin typeface="Courier New" panose="02070309020205020404" pitchFamily="49" charset="0"/>
+              <a:cs typeface="Courier New" panose="02070309020205020404" pitchFamily="49" charset="0"/>
+            </a:endParaRPr>
+          </a:p>
+          <a:p>
+            <a:pPr marL="285750" indent="-285750">
+              <a:buFont typeface="Arial" panose="020B0604020202020204" pitchFamily="34" charset="0"/>
+              <a:buChar char="•"/>
+            </a:pPr>
+            <a:r>
+              <a:rPr lang="en-US" dirty="0" smtClean="0"/>
+              <a:t>The </a:t>
+            </a:r>
+            <a:r>
+              <a:rPr lang="en-US" dirty="0" err="1" smtClean="0">
+                <a:latin typeface="Courier New" panose="02070309020205020404" pitchFamily="49" charset="0"/>
+                <a:cs typeface="Courier New" panose="02070309020205020404" pitchFamily="49" charset="0"/>
+              </a:rPr>
+              <a:t>SkipListMap</a:t>
+            </a:r>
+            <a:r>
+              <a:rPr lang="en-US" dirty="0" smtClean="0"/>
+              <a:t> enjoys somewhat constant access times</a:t>
+            </a:r>
+          </a:p>
+          <a:p>
+            <a:endParaRPr lang="en-US" dirty="0"/>
+          </a:p>
+        </p:txBody>
+      </p:sp>
+      <p:sp>
+        <p:nvSpPr>
+          <p:cNvPr id="4" name="Slide Number Placeholder 3"/>
+          <p:cNvSpPr>
+            <a:spLocks noGrp="1"/>
+          </p:cNvSpPr>
+          <p:nvPr>
+            <p:ph type="sldNum" sz="quarter" idx="10"/>
+          </p:nvPr>
+        </p:nvSpPr>
+        <p:spPr/>
+        <p:txBody>
+          <a:bodyPr/>
+          <a:lstStyle/>
+          <a:p>
+            <a:fld id="{13FF7A7F-7CC1-482A-8A13-41ED58AA8B03}" type="slidenum">
+              <a:rPr lang="en-US" smtClean="0"/>
+              <a:t>41</a:t>
+            </a:fld>
+            <a:endParaRPr lang="en-US"/>
+          </a:p>
+        </p:txBody>
+      </p:sp>
+    </p:spTree>
+    <p:extLst>
+      <p:ext uri="{BB962C8B-B14F-4D97-AF65-F5344CB8AC3E}">
+        <p14:creationId xmlns:p14="http://schemas.microsoft.com/office/powerpoint/2010/main" val="1443238581"/>
+      </p:ext>
+    </p:extLst>
+  </p:cSld>
+  <p:clrMapOvr>
+    <a:masterClrMapping/>
+  </p:clrMapOvr>
+</p:notes>
+</file>
+
+<file path=ppt/notesSlides/notesSlide12.xml><?xml version="1.0" encoding="utf-8"?>
+<p:notes xmlns:a="http://schemas.openxmlformats.org/drawingml/2006/main" xmlns:r="http://schemas.openxmlformats.org/officeDocument/2006/relationships" xmlns:p="http://schemas.openxmlformats.org/presentationml/2006/main">
+  <p:cSld>
+    <p:spTree>
+      <p:nvGrpSpPr>
+        <p:cNvPr id="1" name=""/>
+        <p:cNvGrpSpPr/>
+        <p:nvPr/>
+      </p:nvGrpSpPr>
+      <p:grpSpPr>
+        <a:xfrm>
+          <a:off x="0" y="0"/>
+          <a:ext cx="0" cy="0"/>
+          <a:chOff x="0" y="0"/>
+          <a:chExt cx="0" cy="0"/>
+        </a:xfrm>
+      </p:grpSpPr>
+      <p:sp>
+        <p:nvSpPr>
+          <p:cNvPr id="2" name="Slide Image Placeholder 1"/>
+          <p:cNvSpPr>
+            <a:spLocks noGrp="1" noRot="1" noChangeAspect="1"/>
+          </p:cNvSpPr>
+          <p:nvPr>
+            <p:ph type="sldImg"/>
+          </p:nvPr>
+        </p:nvSpPr>
+        <p:spPr/>
+      </p:sp>
+      <p:sp>
+        <p:nvSpPr>
+          <p:cNvPr id="3" name="Notes Placeholder 2"/>
+          <p:cNvSpPr>
+            <a:spLocks noGrp="1"/>
+          </p:cNvSpPr>
+          <p:nvPr>
+            <p:ph type="body" idx="1"/>
+          </p:nvPr>
+        </p:nvSpPr>
+        <p:spPr/>
+        <p:txBody>
+          <a:bodyPr/>
+          <a:lstStyle/>
+          <a:p>
+            <a:r>
+              <a:rPr lang="en-US" dirty="0" smtClean="0"/>
+              <a:t>Not</a:t>
+            </a:r>
+            <a:r>
+              <a:rPr lang="en-US" baseline="0" dirty="0" smtClean="0"/>
+              <a:t> talking about disadvantages</a:t>
+            </a:r>
+            <a:endParaRPr lang="en-US" dirty="0"/>
+          </a:p>
+        </p:txBody>
+      </p:sp>
+      <p:sp>
+        <p:nvSpPr>
+          <p:cNvPr id="4" name="Slide Number Placeholder 3"/>
+          <p:cNvSpPr>
+            <a:spLocks noGrp="1"/>
+          </p:cNvSpPr>
+          <p:nvPr>
+            <p:ph type="sldNum" sz="quarter" idx="10"/>
+          </p:nvPr>
+        </p:nvSpPr>
+        <p:spPr/>
+        <p:txBody>
+          <a:bodyPr/>
+          <a:lstStyle/>
+          <a:p>
+            <a:fld id="{13FF7A7F-7CC1-482A-8A13-41ED58AA8B03}" type="slidenum">
+              <a:rPr lang="en-US" smtClean="0"/>
+              <a:t>42</a:t>
+            </a:fld>
+            <a:endParaRPr lang="en-US"/>
+          </a:p>
+        </p:txBody>
+      </p:sp>
+    </p:spTree>
+    <p:extLst>
+      <p:ext uri="{BB962C8B-B14F-4D97-AF65-F5344CB8AC3E}">
+        <p14:creationId xmlns:p14="http://schemas.microsoft.com/office/powerpoint/2010/main" val="1261347860"/>
+      </p:ext>
+    </p:extLst>
+  </p:cSld>
+  <p:clrMapOvr>
+    <a:masterClrMapping/>
+  </p:clrMapOvr>
+</p:notes>
+</file>
+
 <file path=ppt/notesSlides/notesSlide2.xml><?xml version="1.0" encoding="utf-8"?>
 <p:notes xmlns:a="http://schemas.openxmlformats.org/drawingml/2006/main" xmlns:r="http://schemas.openxmlformats.org/officeDocument/2006/relationships" xmlns:p="http://schemas.openxmlformats.org/presentationml/2006/main">
   <p:cSld>
@@ -1370,14 +1716,48 @@
           <a:bodyPr/>
           <a:lstStyle/>
           <a:p>
+            <a:pPr marL="285750" indent="-285750">
+              <a:buFont typeface="Arial" panose="020B0604020202020204" pitchFamily="34" charset="0"/>
+              <a:buChar char="•"/>
+            </a:pPr>
             <a:r>
               <a:rPr lang="en-US" dirty="0" smtClean="0"/>
-              <a:t>Not</a:t>
-            </a:r>
-            <a:r>
-              <a:rPr lang="en-US" baseline="0" dirty="0" smtClean="0"/>
-              <a:t> talking about disadvantages</a:t>
-            </a:r>
+              <a:t>Obviously all the threads are being serialized by the Global lock of the </a:t>
+            </a:r>
+            <a:r>
+              <a:rPr lang="en-US" dirty="0" err="1" smtClean="0">
+                <a:latin typeface="Courier New" panose="02070309020205020404" pitchFamily="49" charset="0"/>
+                <a:cs typeface="Courier New" panose="02070309020205020404" pitchFamily="49" charset="0"/>
+              </a:rPr>
+              <a:t>TreeMap</a:t>
+            </a:r>
+            <a:endParaRPr lang="en-US" dirty="0" smtClean="0">
+              <a:latin typeface="Courier New" panose="02070309020205020404" pitchFamily="49" charset="0"/>
+              <a:cs typeface="Courier New" panose="02070309020205020404" pitchFamily="49" charset="0"/>
+            </a:endParaRPr>
+          </a:p>
+          <a:p>
+            <a:pPr marL="285750" indent="-285750">
+              <a:buFont typeface="Arial" panose="020B0604020202020204" pitchFamily="34" charset="0"/>
+              <a:buChar char="•"/>
+            </a:pPr>
+            <a:r>
+              <a:rPr lang="en-US" dirty="0" smtClean="0"/>
+              <a:t>The </a:t>
+            </a:r>
+            <a:r>
+              <a:rPr lang="en-US" dirty="0" err="1" smtClean="0">
+                <a:latin typeface="Courier New" panose="02070309020205020404" pitchFamily="49" charset="0"/>
+                <a:cs typeface="Courier New" panose="02070309020205020404" pitchFamily="49" charset="0"/>
+              </a:rPr>
+              <a:t>SkipListMap</a:t>
+            </a:r>
+            <a:r>
+              <a:rPr lang="en-US" dirty="0" smtClean="0"/>
+              <a:t> enjoys somewhat constant access times</a:t>
+            </a:r>
+          </a:p>
+          <a:p>
             <a:endParaRPr lang="en-US" dirty="0"/>
           </a:p>
         </p:txBody>
@@ -1399,7 +1779,7 @@
           <a:p>
             <a:fld id="{13FF7A7F-7CC1-482A-8A13-41ED58AA8B03}" type="slidenum">
               <a:rPr lang="en-US" smtClean="0"/>
-              <a:t>40</a:t>
+              <a:t>39</a:t>
             </a:fld>
             <a:endParaRPr lang="en-US"/>
           </a:p>
@@ -1408,7 +1788,7 @@
     </p:spTree>
     <p:extLst>
       <p:ext uri="{BB962C8B-B14F-4D97-AF65-F5344CB8AC3E}">
-        <p14:creationId xmlns:p14="http://schemas.microsoft.com/office/powerpoint/2010/main" val="1261347860"/>
+        <p14:creationId xmlns:p14="http://schemas.microsoft.com/office/powerpoint/2010/main" val="2605769599"/>
       </p:ext>
     </p:extLst>
   </p:cSld>
@@ -15236,11 +15616,7 @@
             </a:pPr>
             <a:r>
               <a:rPr lang="en-US" dirty="0" smtClean="0"/>
-              <a:t>We </a:t>
-            </a:r>
-            <a:r>
-              <a:rPr lang="en-US" dirty="0" smtClean="0"/>
-              <a:t>don’t think in parallel</a:t>
+              <a:t>We don’t think in parallel</a:t>
             </a:r>
           </a:p>
           <a:p>
@@ -15252,7 +15628,6 @@
               <a:rPr lang="en-US" dirty="0" smtClean="0"/>
               <a:t>One copy of everything</a:t>
             </a:r>
-            <a:endParaRPr lang="en-US" dirty="0" smtClean="0"/>
           </a:p>
           <a:p>
             <a:pPr marL="285750" indent="-285750">
@@ -18875,7 +19250,7 @@
         <p:spPr>
           <a:xfrm>
             <a:off x="680320" y="2336873"/>
-            <a:ext cx="4698358" cy="502121"/>
+            <a:ext cx="4698358" cy="2757641"/>
           </a:xfrm>
         </p:spPr>
         <p:txBody>
@@ -18884,8 +19259,19 @@
           <a:p>
             <a:r>
               <a:rPr lang="en-US" dirty="0" smtClean="0"/>
-              <a:t>Very similar to Insertion</a:t>
-            </a:r>
+              <a:t>Very similar to </a:t>
+            </a:r>
+            <a:r>
+              <a:rPr lang="en-US" dirty="0" smtClean="0"/>
+              <a:t>Insertion</a:t>
+            </a:r>
+          </a:p>
+          <a:p>
+            <a:r>
+              <a:rPr lang="en-US" dirty="0" smtClean="0"/>
+              <a:t>Might need to decrease level</a:t>
+            </a:r>
+            <a:endParaRPr lang="en-US" dirty="0" smtClean="0"/>
           </a:p>
           <a:p>
             <a:pPr marL="0" indent="0">
@@ -18919,7 +19305,7 @@
         </p:blipFill>
         <p:spPr>
           <a:xfrm>
-            <a:off x="5116580" y="2336873"/>
+            <a:off x="5378678" y="2162702"/>
             <a:ext cx="4277021" cy="3598863"/>
           </a:xfrm>
         </p:spPr>
@@ -19831,7 +20217,9 @@
         </p:nvSpPr>
         <p:spPr/>
         <p:txBody>
-          <a:bodyPr/>
+          <a:bodyPr>
+            <a:normAutofit lnSpcReduction="10000"/>
+          </a:bodyPr>
           <a:lstStyle/>
           <a:p>
             <a:r>
@@ -19926,7 +20314,26 @@
             <a:pPr lvl="1"/>
             <a:r>
               <a:rPr lang="en-US" dirty="0" smtClean="0"/>
-              <a:t>Each thread accesses 100,000 random entries</a:t>
+              <a:t>D</a:t>
+            </a:r>
+            <a:r>
+              <a:rPr lang="en-US" dirty="0" smtClean="0"/>
+              <a:t>ense: each </a:t>
+            </a:r>
+            <a:r>
+              <a:rPr lang="en-US" dirty="0" smtClean="0"/>
+              <a:t>thread accesses 100,000 random </a:t>
+            </a:r>
+            <a:r>
+              <a:rPr lang="en-US" dirty="0" smtClean="0"/>
+              <a:t>entries</a:t>
+            </a:r>
+          </a:p>
+          <a:p>
+            <a:pPr lvl="1"/>
+            <a:r>
+              <a:rPr lang="en-US" dirty="0" smtClean="0"/>
+              <a:t>Sparse: each thread accesses 1000 random entries</a:t>
             </a:r>
             <a:endParaRPr lang="en-US" dirty="0"/>
           </a:p>
@@ -20769,6 +21176,103 @@
                                           <p:spTgt spid="3">
                                             <p:txEl>
                                               <p:pRg st="7" end="7"/>
+                                            </p:txEl>
+                                          </p:spTgt>
+                                        </p:tgtEl>
+                                        <p:attrNameLst>
+                                          <p:attrName>ppt_y</p:attrName>
+                                        </p:attrNameLst>
+                                      </p:cBhvr>
+                                      <p:tavLst>
+                                        <p:tav tm="0">
+                                          <p:val>
+                                            <p:strVal val="#ppt_y+.1"/>
+                                          </p:val>
+                                        </p:tav>
+                                        <p:tav tm="100000">
+                                          <p:val>
+                                            <p:strVal val="#ppt_y"/>
+                                          </p:val>
+                                        </p:tav>
+                                      </p:tavLst>
+                                    </p:anim>
+                                  </p:childTnLst>
+                                </p:cTn>
+                              </p:par>
+                              <p:par>
+                                <p:cTn id="51" presetID="42" presetClass="entr" presetSubtype="0" fill="hold" grpId="0" nodeType="withEffect">
+                                  <p:stCondLst>
+                                    <p:cond delay="0"/>
+                                  </p:stCondLst>
+                                  <p:childTnLst>
+                                    <p:set>
+                                      <p:cBhvr>
+                                        <p:cTn id="52" dur="1" fill="hold">
+                                          <p:stCondLst>
+                                            <p:cond delay="0"/>
+                                          </p:stCondLst>
+                                        </p:cTn>
+                                        <p:tgtEl>
+                                          <p:spTgt spid="3">
+                                            <p:txEl>
+                                              <p:pRg st="8" end="8"/>
+                                            </p:txEl>
+                                          </p:spTgt>
+                                        </p:tgtEl>
+                                        <p:attrNameLst>
+                                          <p:attrName>style.visibility</p:attrName>
+                                        </p:attrNameLst>
+                                      </p:cBhvr>
+                                      <p:to>
+                                        <p:strVal val="visible"/>
+                                      </p:to>
+                                    </p:set>
+                                    <p:animEffect transition="in" filter="fade">
+                                      <p:cBhvr>
+                                        <p:cTn id="53" dur="1000"/>
+                                        <p:tgtEl>
+                                          <p:spTgt spid="3">
+                                            <p:txEl>
+                                              <p:pRg st="8" end="8"/>
+                                            </p:txEl>
+                                          </p:spTgt>
+                                        </p:tgtEl>
+                                      </p:cBhvr>
+                                    </p:animEffect>
+                                    <p:anim calcmode="lin" valueType="num">
+                                      <p:cBhvr>
+                                        <p:cTn id="54" dur="1000" fill="hold"/>
+                                        <p:tgtEl>
+                                          <p:spTgt spid="3">
+                                            <p:txEl>
+                                              <p:pRg st="8" end="8"/>
+                                            </p:txEl>
+                                          </p:spTgt>
+                                        </p:tgtEl>
+                                        <p:attrNameLst>
+                                          <p:attrName>ppt_x</p:attrName>
+                                        </p:attrNameLst>
+                                      </p:cBhvr>
+                                      <p:tavLst>
+                                        <p:tav tm="0">
+                                          <p:val>
+                                            <p:strVal val="#ppt_x"/>
+                                          </p:val>
+                                        </p:tav>
+                                        <p:tav tm="100000">
+                                          <p:val>
+                                            <p:strVal val="#ppt_x"/>
+                                          </p:val>
+                                        </p:tav>
+                                      </p:tavLst>
+                                    </p:anim>
+                                    <p:anim calcmode="lin" valueType="num">
+                                      <p:cBhvr>
+                                        <p:cTn id="55" dur="1000" fill="hold"/>
+                                        <p:tgtEl>
+                                          <p:spTgt spid="3">
+                                            <p:txEl>
+                                              <p:pRg st="8" end="8"/>
                                             </p:txEl>
                                           </p:spTgt>
                                         </p:tgtEl>
@@ -20874,8 +21378,8 @@
         </p:nvSpPr>
         <p:spPr>
           <a:xfrm>
-            <a:off x="680321" y="5864998"/>
-            <a:ext cx="8786949" cy="646331"/>
+            <a:off x="6835765" y="2050150"/>
+            <a:ext cx="3640522" cy="1200329"/>
           </a:xfrm>
           <a:prstGeom prst="rect">
             <a:avLst/>
@@ -20911,7 +21415,7 @@
       </p:sp>
       <p:pic>
         <p:nvPicPr>
-          <p:cNvPr id="6" name="Content Placeholder 5"/>
+          <p:cNvPr id="8" name="Content Placeholder 7"/>
           <p:cNvPicPr>
             <a:picLocks noGrp="1" noChangeAspect="1"/>
           </p:cNvPicPr>
@@ -20919,7 +21423,7 @@
             <p:ph idx="1"/>
           </p:nvPr>
         </p:nvPicPr>
-        <p:blipFill rotWithShape="1">
+        <p:blipFill>
           <a:blip r:embed="rId3">
             <a:extLst>
               <a:ext uri="{28A0092B-C50C-407E-A947-70E740481C1C}">
@@ -20927,13 +21431,14 @@
               </a:ext>
             </a:extLst>
           </a:blip>
-          <a:srcRect t="1" b="1110"/>
-          <a:stretch/>
+          <a:stretch>
+            <a:fillRect/>
+          </a:stretch>
         </p:blipFill>
         <p:spPr>
           <a:xfrm>
-            <a:off x="680321" y="2153916"/>
-            <a:ext cx="7616640" cy="3558907"/>
+            <a:off x="680320" y="2050150"/>
+            <a:ext cx="6155445" cy="4028433"/>
           </a:xfrm>
         </p:spPr>
       </p:pic>
@@ -21121,9 +21626,56 @@
           </a:p>
         </p:txBody>
       </p:sp>
+      <p:sp>
+        <p:nvSpPr>
+          <p:cNvPr id="5" name="TextBox 4"/>
+          <p:cNvSpPr txBox="1"/>
+          <p:nvPr/>
+        </p:nvSpPr>
+        <p:spPr>
+          <a:xfrm>
+            <a:off x="7228765" y="2101669"/>
+            <a:ext cx="3065417" cy="646331"/>
+          </a:xfrm>
+          <a:prstGeom prst="rect">
+            <a:avLst/>
+          </a:prstGeom>
+          <a:noFill/>
+        </p:spPr>
+        <p:txBody>
+          <a:bodyPr wrap="square" rtlCol="0">
+            <a:spAutoFit/>
+          </a:bodyPr>
+          <a:lstStyle/>
+          <a:p>
+            <a:pPr marL="285750" indent="-285750">
+              <a:buFont typeface="Arial" panose="020B0604020202020204" pitchFamily="34" charset="0"/>
+              <a:buChar char="•"/>
+            </a:pPr>
+            <a:r>
+              <a:rPr lang="en-US" dirty="0"/>
+              <a:t>Accessing lots of data</a:t>
+            </a:r>
+          </a:p>
+          <a:p>
+            <a:pPr marL="285750" indent="-285750">
+              <a:buFont typeface="Arial" panose="020B0604020202020204" pitchFamily="34" charset="0"/>
+              <a:buChar char="•"/>
+            </a:pPr>
+            <a:r>
+              <a:rPr lang="en-US" dirty="0" smtClean="0"/>
+              <a:t>It </a:t>
+            </a:r>
+            <a:r>
+              <a:rPr lang="en-US" dirty="0" smtClean="0"/>
+              <a:t>keeps getting worse</a:t>
+            </a:r>
+          </a:p>
+        </p:txBody>
+      </p:sp>
       <p:pic>
         <p:nvPicPr>
-          <p:cNvPr id="4" name="Content Placeholder 3"/>
+          <p:cNvPr id="6" name="Content Placeholder 5"/>
           <p:cNvPicPr>
             <a:picLocks noGrp="1" noChangeAspect="1"/>
           </p:cNvPicPr>
@@ -21145,44 +21697,11 @@
         </p:blipFill>
         <p:spPr>
           <a:xfrm>
-            <a:off x="535869" y="2267131"/>
-            <a:ext cx="7331483" cy="3828869"/>
+            <a:off x="680321" y="2101669"/>
+            <a:ext cx="6400120" cy="4212045"/>
           </a:xfrm>
         </p:spPr>
       </p:pic>
-      <p:sp>
-        <p:nvSpPr>
-          <p:cNvPr id="5" name="TextBox 4"/>
-          <p:cNvSpPr txBox="1"/>
-          <p:nvPr/>
-        </p:nvSpPr>
-        <p:spPr>
-          <a:xfrm>
-            <a:off x="535869" y="6344299"/>
-            <a:ext cx="3065417" cy="369332"/>
-          </a:xfrm>
-          <a:prstGeom prst="rect">
-            <a:avLst/>
-          </a:prstGeom>
-          <a:noFill/>
-        </p:spPr>
-        <p:txBody>
-          <a:bodyPr wrap="square" rtlCol="0">
-            <a:spAutoFit/>
-          </a:bodyPr>
-          <a:lstStyle/>
-          <a:p>
-            <a:pPr marL="285750" indent="-285750">
-              <a:buFont typeface="Arial" panose="020B0604020202020204" pitchFamily="34" charset="0"/>
-              <a:buChar char="•"/>
-            </a:pPr>
-            <a:r>
-              <a:rPr lang="en-US" dirty="0" smtClean="0"/>
-              <a:t>It keeps getting worse</a:t>
-            </a:r>
-          </a:p>
-        </p:txBody>
-      </p:sp>
     </p:spTree>
     <p:extLst>
       <p:ext uri="{BB962C8B-B14F-4D97-AF65-F5344CB8AC3E}">
@@ -21361,10 +21880,57 @@
           <a:lstStyle/>
           <a:p>
             <a:r>
+              <a:rPr lang="en-US" dirty="0"/>
+              <a:t>Skip Lists: Performance</a:t>
+            </a:r>
+          </a:p>
+        </p:txBody>
+      </p:sp>
+      <p:sp>
+        <p:nvSpPr>
+          <p:cNvPr id="5" name="TextBox 4"/>
+          <p:cNvSpPr txBox="1"/>
+          <p:nvPr/>
+        </p:nvSpPr>
+        <p:spPr>
+          <a:xfrm>
+            <a:off x="7228765" y="2101669"/>
+            <a:ext cx="3065417" cy="646331"/>
+          </a:xfrm>
+          <a:prstGeom prst="rect">
+            <a:avLst/>
+          </a:prstGeom>
+          <a:noFill/>
+        </p:spPr>
+        <p:txBody>
+          <a:bodyPr wrap="square" rtlCol="0">
+            <a:spAutoFit/>
+          </a:bodyPr>
+          <a:lstStyle/>
+          <a:p>
+            <a:pPr marL="285750" indent="-285750">
+              <a:buFont typeface="Arial" panose="020B0604020202020204" pitchFamily="34" charset="0"/>
+              <a:buChar char="•"/>
+            </a:pPr>
+            <a:r>
               <a:rPr lang="en-US" dirty="0" smtClean="0"/>
-              <a:t>Skip Lists: Performance</a:t>
-            </a:r>
-            <a:endParaRPr lang="en-US" dirty="0"/>
+              <a:t>Modifying lots </a:t>
+            </a:r>
+            <a:r>
+              <a:rPr lang="en-US" dirty="0"/>
+              <a:t>of data</a:t>
+            </a:r>
+          </a:p>
+          <a:p>
+            <a:pPr marL="285750" indent="-285750">
+              <a:buFont typeface="Arial" panose="020B0604020202020204" pitchFamily="34" charset="0"/>
+              <a:buChar char="•"/>
+            </a:pPr>
+            <a:r>
+              <a:rPr lang="en-US" dirty="0" smtClean="0"/>
+              <a:t>Similar story</a:t>
+            </a:r>
+            <a:endParaRPr lang="en-US" dirty="0" smtClean="0"/>
           </a:p>
         </p:txBody>
       </p:sp>
@@ -21379,7 +21945,7 @@
           </p:nvPr>
         </p:nvPicPr>
         <p:blipFill>
-          <a:blip r:embed="rId2">
+          <a:blip r:embed="rId3">
             <a:extLst>
               <a:ext uri="{28A0092B-C50C-407E-A947-70E740481C1C}">
                 <a14:useLocalDpi xmlns:a14="http://schemas.microsoft.com/office/drawing/2010/main" val="0"/>
@@ -21392,49 +21958,15 @@
         </p:blipFill>
         <p:spPr>
           <a:xfrm>
-            <a:off x="680320" y="2206171"/>
-            <a:ext cx="7375317" cy="3854998"/>
+            <a:off x="680321" y="2101669"/>
+            <a:ext cx="6425873" cy="4219841"/>
           </a:xfrm>
         </p:spPr>
       </p:pic>
-      <p:sp>
-        <p:nvSpPr>
-          <p:cNvPr id="5" name="TextBox 4"/>
-          <p:cNvSpPr txBox="1"/>
-          <p:nvPr/>
-        </p:nvSpPr>
-        <p:spPr>
-          <a:xfrm>
-            <a:off x="680320" y="6139546"/>
-            <a:ext cx="6885284" cy="369332"/>
-          </a:xfrm>
-          <a:prstGeom prst="rect">
-            <a:avLst/>
-          </a:prstGeom>
-          <a:noFill/>
-        </p:spPr>
-        <p:txBody>
-          <a:bodyPr wrap="square" rtlCol="0">
-            <a:spAutoFit/>
-          </a:bodyPr>
-          <a:lstStyle/>
-          <a:p>
-            <a:pPr marL="285750" indent="-285750">
-              <a:buFont typeface="Arial" panose="020B0604020202020204" pitchFamily="34" charset="0"/>
-              <a:buChar char="•"/>
-            </a:pPr>
-            <a:r>
-              <a:rPr lang="en-US" dirty="0" smtClean="0"/>
-              <a:t>Very similar story in case of modify operation as well</a:t>
-            </a:r>
-            <a:endParaRPr lang="en-US" dirty="0"/>
-          </a:p>
-        </p:txBody>
-      </p:sp>
     </p:spTree>
     <p:extLst>
       <p:ext uri="{BB962C8B-B14F-4D97-AF65-F5344CB8AC3E}">
-        <p14:creationId xmlns:p14="http://schemas.microsoft.com/office/powerpoint/2010/main" val="678807958"/>
+        <p14:creationId xmlns:p14="http://schemas.microsoft.com/office/powerpoint/2010/main" val="3388112284"/>
       </p:ext>
     </p:extLst>
   </p:cSld>
@@ -21692,6 +22224,528 @@
           <a:lstStyle/>
           <a:p>
             <a:r>
+              <a:rPr lang="en-US" dirty="0"/>
+              <a:t>Skip Lists: Performance</a:t>
+            </a:r>
+          </a:p>
+        </p:txBody>
+      </p:sp>
+      <p:sp>
+        <p:nvSpPr>
+          <p:cNvPr id="5" name="TextBox 4"/>
+          <p:cNvSpPr txBox="1"/>
+          <p:nvPr/>
+        </p:nvSpPr>
+        <p:spPr>
+          <a:xfrm>
+            <a:off x="7228765" y="2101669"/>
+            <a:ext cx="3065417" cy="923330"/>
+          </a:xfrm>
+          <a:prstGeom prst="rect">
+            <a:avLst/>
+          </a:prstGeom>
+          <a:noFill/>
+        </p:spPr>
+        <p:txBody>
+          <a:bodyPr wrap="square" rtlCol="0">
+            <a:spAutoFit/>
+          </a:bodyPr>
+          <a:lstStyle/>
+          <a:p>
+            <a:pPr marL="285750" indent="-285750">
+              <a:buFont typeface="Arial" panose="020B0604020202020204" pitchFamily="34" charset="0"/>
+              <a:buChar char="•"/>
+            </a:pPr>
+            <a:r>
+              <a:rPr lang="en-US" dirty="0" smtClean="0"/>
+              <a:t>Accessing little bit of </a:t>
+            </a:r>
+            <a:r>
+              <a:rPr lang="en-US" dirty="0"/>
+              <a:t>data</a:t>
+            </a:r>
+          </a:p>
+          <a:p>
+            <a:pPr marL="285750" indent="-285750">
+              <a:buFont typeface="Arial" panose="020B0604020202020204" pitchFamily="34" charset="0"/>
+              <a:buChar char="•"/>
+            </a:pPr>
+            <a:r>
+              <a:rPr lang="en-US" dirty="0" smtClean="0"/>
+              <a:t>Somewhat better scaling</a:t>
+            </a:r>
+            <a:endParaRPr lang="en-US" dirty="0" smtClean="0"/>
+          </a:p>
+        </p:txBody>
+      </p:sp>
+      <p:pic>
+        <p:nvPicPr>
+          <p:cNvPr id="6" name="Content Placeholder 5"/>
+          <p:cNvPicPr>
+            <a:picLocks noGrp="1" noChangeAspect="1"/>
+          </p:cNvPicPr>
+          <p:nvPr>
+            <p:ph idx="1"/>
+          </p:nvPr>
+        </p:nvPicPr>
+        <p:blipFill>
+          <a:blip r:embed="rId3">
+            <a:extLst>
+              <a:ext uri="{28A0092B-C50C-407E-A947-70E740481C1C}">
+                <a14:useLocalDpi xmlns:a14="http://schemas.microsoft.com/office/drawing/2010/main" val="0"/>
+              </a:ext>
+            </a:extLst>
+          </a:blip>
+          <a:stretch>
+            <a:fillRect/>
+          </a:stretch>
+        </p:blipFill>
+        <p:spPr>
+          <a:xfrm>
+            <a:off x="680321" y="2101668"/>
+            <a:ext cx="6548444" cy="4272745"/>
+          </a:xfrm>
+        </p:spPr>
+      </p:pic>
+    </p:spTree>
+    <p:extLst>
+      <p:ext uri="{BB962C8B-B14F-4D97-AF65-F5344CB8AC3E}">
+        <p14:creationId xmlns:p14="http://schemas.microsoft.com/office/powerpoint/2010/main" val="1767669450"/>
+      </p:ext>
+    </p:extLst>
+  </p:cSld>
+  <p:clrMapOvr>
+    <a:masterClrMapping/>
+  </p:clrMapOvr>
+  <p:timing>
+    <p:tnLst>
+      <p:par>
+        <p:cTn id="1" dur="indefinite" restart="never" nodeType="tmRoot">
+          <p:childTnLst>
+            <p:seq concurrent="1" nextAc="seek">
+              <p:cTn id="2" dur="indefinite" nodeType="mainSeq">
+                <p:childTnLst>
+                  <p:par>
+                    <p:cTn id="3" fill="hold">
+                      <p:stCondLst>
+                        <p:cond delay="indefinite"/>
+                      </p:stCondLst>
+                      <p:childTnLst>
+                        <p:par>
+                          <p:cTn id="4" fill="hold">
+                            <p:stCondLst>
+                              <p:cond delay="0"/>
+                            </p:stCondLst>
+                            <p:childTnLst>
+                              <p:par>
+                                <p:cTn id="5" presetID="42" presetClass="entr" presetSubtype="0" fill="hold" grpId="0" nodeType="clickEffect">
+                                  <p:stCondLst>
+                                    <p:cond delay="0"/>
+                                  </p:stCondLst>
+                                  <p:childTnLst>
+                                    <p:set>
+                                      <p:cBhvr>
+                                        <p:cTn id="6" dur="1" fill="hold">
+                                          <p:stCondLst>
+                                            <p:cond delay="0"/>
+                                          </p:stCondLst>
+                                        </p:cTn>
+                                        <p:tgtEl>
+                                          <p:spTgt spid="5"/>
+                                        </p:tgtEl>
+                                        <p:attrNameLst>
+                                          <p:attrName>style.visibility</p:attrName>
+                                        </p:attrNameLst>
+                                      </p:cBhvr>
+                                      <p:to>
+                                        <p:strVal val="visible"/>
+                                      </p:to>
+                                    </p:set>
+                                    <p:animEffect transition="in" filter="fade">
+                                      <p:cBhvr>
+                                        <p:cTn id="7" dur="1000"/>
+                                        <p:tgtEl>
+                                          <p:spTgt spid="5"/>
+                                        </p:tgtEl>
+                                      </p:cBhvr>
+                                    </p:animEffect>
+                                    <p:anim calcmode="lin" valueType="num">
+                                      <p:cBhvr>
+                                        <p:cTn id="8" dur="1000" fill="hold"/>
+                                        <p:tgtEl>
+                                          <p:spTgt spid="5"/>
+                                        </p:tgtEl>
+                                        <p:attrNameLst>
+                                          <p:attrName>ppt_x</p:attrName>
+                                        </p:attrNameLst>
+                                      </p:cBhvr>
+                                      <p:tavLst>
+                                        <p:tav tm="0">
+                                          <p:val>
+                                            <p:strVal val="#ppt_x"/>
+                                          </p:val>
+                                        </p:tav>
+                                        <p:tav tm="100000">
+                                          <p:val>
+                                            <p:strVal val="#ppt_x"/>
+                                          </p:val>
+                                        </p:tav>
+                                      </p:tavLst>
+                                    </p:anim>
+                                    <p:anim calcmode="lin" valueType="num">
+                                      <p:cBhvr>
+                                        <p:cTn id="9" dur="1000" fill="hold"/>
+                                        <p:tgtEl>
+                                          <p:spTgt spid="5"/>
+                                        </p:tgtEl>
+                                        <p:attrNameLst>
+                                          <p:attrName>ppt_y</p:attrName>
+                                        </p:attrNameLst>
+                                      </p:cBhvr>
+                                      <p:tavLst>
+                                        <p:tav tm="0">
+                                          <p:val>
+                                            <p:strVal val="#ppt_y+.1"/>
+                                          </p:val>
+                                        </p:tav>
+                                        <p:tav tm="100000">
+                                          <p:val>
+                                            <p:strVal val="#ppt_y"/>
+                                          </p:val>
+                                        </p:tav>
+                                      </p:tavLst>
+                                    </p:anim>
+                                  </p:childTnLst>
+                                </p:cTn>
+                              </p:par>
+                            </p:childTnLst>
+                          </p:cTn>
+                        </p:par>
+                      </p:childTnLst>
+                    </p:cTn>
+                  </p:par>
+                </p:childTnLst>
+              </p:cTn>
+              <p:prevCondLst>
+                <p:cond evt="onPrev" delay="0">
+                  <p:tgtEl>
+                    <p:sldTgt/>
+                  </p:tgtEl>
+                </p:cond>
+              </p:prevCondLst>
+              <p:nextCondLst>
+                <p:cond evt="onNext" delay="0">
+                  <p:tgtEl>
+                    <p:sldTgt/>
+                  </p:tgtEl>
+                </p:cond>
+              </p:nextCondLst>
+            </p:seq>
+          </p:childTnLst>
+        </p:cTn>
+      </p:par>
+    </p:tnLst>
+    <p:bldLst>
+      <p:bldP spid="5" grpId="0"/>
+    </p:bldLst>
+  </p:timing>
+</p:sld>
+</file>
+
+<file path=ppt/slides/slide41.xml><?xml version="1.0" encoding="utf-8"?>
+<p:sld xmlns:a="http://schemas.openxmlformats.org/drawingml/2006/main" xmlns:r="http://schemas.openxmlformats.org/officeDocument/2006/relationships" xmlns:p="http://schemas.openxmlformats.org/presentationml/2006/main">
+  <p:cSld>
+    <p:spTree>
+      <p:nvGrpSpPr>
+        <p:cNvPr id="1" name=""/>
+        <p:cNvGrpSpPr/>
+        <p:nvPr/>
+      </p:nvGrpSpPr>
+      <p:grpSpPr>
+        <a:xfrm>
+          <a:off x="0" y="0"/>
+          <a:ext cx="0" cy="0"/>
+          <a:chOff x="0" y="0"/>
+          <a:chExt cx="0" cy="0"/>
+        </a:xfrm>
+      </p:grpSpPr>
+      <p:sp>
+        <p:nvSpPr>
+          <p:cNvPr id="2" name="Title 1"/>
+          <p:cNvSpPr>
+            <a:spLocks noGrp="1"/>
+          </p:cNvSpPr>
+          <p:nvPr>
+            <p:ph type="title"/>
+          </p:nvPr>
+        </p:nvSpPr>
+        <p:spPr/>
+        <p:txBody>
+          <a:bodyPr/>
+          <a:lstStyle/>
+          <a:p>
+            <a:r>
+              <a:rPr lang="en-US" dirty="0"/>
+              <a:t>Skip Lists: Performance</a:t>
+            </a:r>
+          </a:p>
+        </p:txBody>
+      </p:sp>
+      <p:sp>
+        <p:nvSpPr>
+          <p:cNvPr id="5" name="TextBox 4"/>
+          <p:cNvSpPr txBox="1"/>
+          <p:nvPr/>
+        </p:nvSpPr>
+        <p:spPr>
+          <a:xfrm>
+            <a:off x="7228765" y="2101669"/>
+            <a:ext cx="3065417" cy="923330"/>
+          </a:xfrm>
+          <a:prstGeom prst="rect">
+            <a:avLst/>
+          </a:prstGeom>
+          <a:noFill/>
+        </p:spPr>
+        <p:txBody>
+          <a:bodyPr wrap="square" rtlCol="0">
+            <a:spAutoFit/>
+          </a:bodyPr>
+          <a:lstStyle/>
+          <a:p>
+            <a:pPr marL="285750" indent="-285750">
+              <a:buFont typeface="Arial" panose="020B0604020202020204" pitchFamily="34" charset="0"/>
+              <a:buChar char="•"/>
+            </a:pPr>
+            <a:r>
+              <a:rPr lang="en-US" dirty="0" smtClean="0"/>
+              <a:t>Modifying little bit of </a:t>
+            </a:r>
+            <a:r>
+              <a:rPr lang="en-US" dirty="0"/>
+              <a:t>data</a:t>
+            </a:r>
+          </a:p>
+          <a:p>
+            <a:pPr marL="285750" indent="-285750">
+              <a:buFont typeface="Arial" panose="020B0604020202020204" pitchFamily="34" charset="0"/>
+              <a:buChar char="•"/>
+            </a:pPr>
+            <a:r>
+              <a:rPr lang="en-US" dirty="0" smtClean="0"/>
+              <a:t>Similar story</a:t>
+            </a:r>
+            <a:endParaRPr lang="en-US" dirty="0" smtClean="0"/>
+          </a:p>
+        </p:txBody>
+      </p:sp>
+      <p:pic>
+        <p:nvPicPr>
+          <p:cNvPr id="6" name="Content Placeholder 5"/>
+          <p:cNvPicPr>
+            <a:picLocks noGrp="1" noChangeAspect="1"/>
+          </p:cNvPicPr>
+          <p:nvPr>
+            <p:ph idx="1"/>
+          </p:nvPr>
+        </p:nvPicPr>
+        <p:blipFill>
+          <a:blip r:embed="rId3">
+            <a:extLst>
+              <a:ext uri="{28A0092B-C50C-407E-A947-70E740481C1C}">
+                <a14:useLocalDpi xmlns:a14="http://schemas.microsoft.com/office/drawing/2010/main" val="0"/>
+              </a:ext>
+            </a:extLst>
+          </a:blip>
+          <a:stretch>
+            <a:fillRect/>
+          </a:stretch>
+        </p:blipFill>
+        <p:spPr>
+          <a:xfrm>
+            <a:off x="680321" y="2101669"/>
+            <a:ext cx="6492748" cy="4273005"/>
+          </a:xfrm>
+        </p:spPr>
+      </p:pic>
+    </p:spTree>
+    <p:extLst>
+      <p:ext uri="{BB962C8B-B14F-4D97-AF65-F5344CB8AC3E}">
+        <p14:creationId xmlns:p14="http://schemas.microsoft.com/office/powerpoint/2010/main" val="2714307551"/>
+      </p:ext>
+    </p:extLst>
+  </p:cSld>
+  <p:clrMapOvr>
+    <a:masterClrMapping/>
+  </p:clrMapOvr>
+  <p:timing>
+    <p:tnLst>
+      <p:par>
+        <p:cTn id="1" dur="indefinite" restart="never" nodeType="tmRoot">
+          <p:childTnLst>
+            <p:seq concurrent="1" nextAc="seek">
+              <p:cTn id="2" dur="indefinite" nodeType="mainSeq">
+                <p:childTnLst>
+                  <p:par>
+                    <p:cTn id="3" fill="hold">
+                      <p:stCondLst>
+                        <p:cond delay="indefinite"/>
+                      </p:stCondLst>
+                      <p:childTnLst>
+                        <p:par>
+                          <p:cTn id="4" fill="hold">
+                            <p:stCondLst>
+                              <p:cond delay="0"/>
+                            </p:stCondLst>
+                            <p:childTnLst>
+                              <p:par>
+                                <p:cTn id="5" presetID="42" presetClass="entr" presetSubtype="0" fill="hold" grpId="0" nodeType="clickEffect">
+                                  <p:stCondLst>
+                                    <p:cond delay="0"/>
+                                  </p:stCondLst>
+                                  <p:childTnLst>
+                                    <p:set>
+                                      <p:cBhvr>
+                                        <p:cTn id="6" dur="1" fill="hold">
+                                          <p:stCondLst>
+                                            <p:cond delay="0"/>
+                                          </p:stCondLst>
+                                        </p:cTn>
+                                        <p:tgtEl>
+                                          <p:spTgt spid="5"/>
+                                        </p:tgtEl>
+                                        <p:attrNameLst>
+                                          <p:attrName>style.visibility</p:attrName>
+                                        </p:attrNameLst>
+                                      </p:cBhvr>
+                                      <p:to>
+                                        <p:strVal val="visible"/>
+                                      </p:to>
+                                    </p:set>
+                                    <p:animEffect transition="in" filter="fade">
+                                      <p:cBhvr>
+                                        <p:cTn id="7" dur="1000"/>
+                                        <p:tgtEl>
+                                          <p:spTgt spid="5"/>
+                                        </p:tgtEl>
+                                      </p:cBhvr>
+                                    </p:animEffect>
+                                    <p:anim calcmode="lin" valueType="num">
+                                      <p:cBhvr>
+                                        <p:cTn id="8" dur="1000" fill="hold"/>
+                                        <p:tgtEl>
+                                          <p:spTgt spid="5"/>
+                                        </p:tgtEl>
+                                        <p:attrNameLst>
+                                          <p:attrName>ppt_x</p:attrName>
+                                        </p:attrNameLst>
+                                      </p:cBhvr>
+                                      <p:tavLst>
+                                        <p:tav tm="0">
+                                          <p:val>
+                                            <p:strVal val="#ppt_x"/>
+                                          </p:val>
+                                        </p:tav>
+                                        <p:tav tm="100000">
+                                          <p:val>
+                                            <p:strVal val="#ppt_x"/>
+                                          </p:val>
+                                        </p:tav>
+                                      </p:tavLst>
+                                    </p:anim>
+                                    <p:anim calcmode="lin" valueType="num">
+                                      <p:cBhvr>
+                                        <p:cTn id="9" dur="1000" fill="hold"/>
+                                        <p:tgtEl>
+                                          <p:spTgt spid="5"/>
+                                        </p:tgtEl>
+                                        <p:attrNameLst>
+                                          <p:attrName>ppt_y</p:attrName>
+                                        </p:attrNameLst>
+                                      </p:cBhvr>
+                                      <p:tavLst>
+                                        <p:tav tm="0">
+                                          <p:val>
+                                            <p:strVal val="#ppt_y+.1"/>
+                                          </p:val>
+                                        </p:tav>
+                                        <p:tav tm="100000">
+                                          <p:val>
+                                            <p:strVal val="#ppt_y"/>
+                                          </p:val>
+                                        </p:tav>
+                                      </p:tavLst>
+                                    </p:anim>
+                                  </p:childTnLst>
+                                </p:cTn>
+                              </p:par>
+                            </p:childTnLst>
+                          </p:cTn>
+                        </p:par>
+                      </p:childTnLst>
+                    </p:cTn>
+                  </p:par>
+                </p:childTnLst>
+              </p:cTn>
+              <p:prevCondLst>
+                <p:cond evt="onPrev" delay="0">
+                  <p:tgtEl>
+                    <p:sldTgt/>
+                  </p:tgtEl>
+                </p:cond>
+              </p:prevCondLst>
+              <p:nextCondLst>
+                <p:cond evt="onNext" delay="0">
+                  <p:tgtEl>
+                    <p:sldTgt/>
+                  </p:tgtEl>
+                </p:cond>
+              </p:nextCondLst>
+            </p:seq>
+          </p:childTnLst>
+        </p:cTn>
+      </p:par>
+    </p:tnLst>
+    <p:bldLst>
+      <p:bldP spid="5" grpId="0"/>
+    </p:bldLst>
+  </p:timing>
+</p:sld>
+</file>
+
+<file path=ppt/slides/slide42.xml><?xml version="1.0" encoding="utf-8"?>
+<p:sld xmlns:a="http://schemas.openxmlformats.org/drawingml/2006/main" xmlns:r="http://schemas.openxmlformats.org/officeDocument/2006/relationships" xmlns:p="http://schemas.openxmlformats.org/presentationml/2006/main">
+  <p:cSld>
+    <p:spTree>
+      <p:nvGrpSpPr>
+        <p:cNvPr id="1" name=""/>
+        <p:cNvGrpSpPr/>
+        <p:nvPr/>
+      </p:nvGrpSpPr>
+      <p:grpSpPr>
+        <a:xfrm>
+          <a:off x="0" y="0"/>
+          <a:ext cx="0" cy="0"/>
+          <a:chOff x="0" y="0"/>
+          <a:chExt cx="0" cy="0"/>
+        </a:xfrm>
+      </p:grpSpPr>
+      <p:sp>
+        <p:nvSpPr>
+          <p:cNvPr id="2" name="Title 1"/>
+          <p:cNvSpPr>
+            <a:spLocks noGrp="1"/>
+          </p:cNvSpPr>
+          <p:nvPr>
+            <p:ph type="title"/>
+          </p:nvPr>
+        </p:nvSpPr>
+        <p:spPr/>
+        <p:txBody>
+          <a:bodyPr/>
+          <a:lstStyle/>
+          <a:p>
+            <a:r>
               <a:rPr lang="en-US" dirty="0" smtClean="0"/>
               <a:t>Skip Lists: Advantages</a:t>
             </a:r>
@@ -22646,7 +23700,7 @@
 </p:sld>
 </file>
 
-<file path=ppt/slides/slide41.xml><?xml version="1.0" encoding="utf-8"?>
+<file path=ppt/slides/slide43.xml><?xml version="1.0" encoding="utf-8"?>
 <p:sld xmlns:a="http://schemas.openxmlformats.org/drawingml/2006/main" xmlns:r="http://schemas.openxmlformats.org/officeDocument/2006/relationships" xmlns:p="http://schemas.openxmlformats.org/presentationml/2006/main">
   <p:cSld>
     <p:spTree>
@@ -23449,7 +24503,7 @@
 </p:sld>
 </file>
 
-<file path=ppt/slides/slide42.xml><?xml version="1.0" encoding="utf-8"?>
+<file path=ppt/slides/slide44.xml><?xml version="1.0" encoding="utf-8"?>
 <p:sld xmlns:a="http://schemas.openxmlformats.org/drawingml/2006/main" xmlns:r="http://schemas.openxmlformats.org/officeDocument/2006/relationships" xmlns:p="http://schemas.openxmlformats.org/presentationml/2006/main">
   <p:cSld>
     <p:spTree>
@@ -25840,15 +26894,7 @@
             <a:pPr lvl="1"/>
             <a:r>
               <a:rPr lang="en-US" dirty="0" smtClean="0"/>
-              <a:t>Each </a:t>
-            </a:r>
-            <a:r>
-              <a:rPr lang="en-US" dirty="0" smtClean="0"/>
-              <a:t>operation requires at most </a:t>
-            </a:r>
-            <a:r>
-              <a:rPr lang="en-US" dirty="0" smtClean="0"/>
-              <a:t>2 nodes to be modified</a:t>
+              <a:t>Each operation requires at most 2 nodes to be modified</a:t>
             </a:r>
           </a:p>
           <a:p>
